--- a/PPT slides/login page templates.pptx
+++ b/PPT slides/login page templates.pptx
@@ -10,7 +10,8 @@
     <p:sldId id="256" r:id="rId4"/>
     <p:sldId id="257" r:id="rId5"/>
     <p:sldId id="258" r:id="rId6"/>
-    <p:sldId id="261" r:id="rId7"/>
+    <p:sldId id="262" r:id="rId7"/>
+    <p:sldId id="261" r:id="rId8"/>
   </p:sldIdLst>
   <p:sldSz cx="12192000" cy="6858000"/>
   <p:notesSz cx="6858000" cy="9144000"/>
@@ -3084,36 +3085,6 @@
       </p:grpSpPr>
       <p:sp>
         <p:nvSpPr>
-          <p:cNvPr id="2" name="TextBox 1"/>
-          <p:cNvSpPr txBox="1"/>
-          <p:nvPr/>
-        </p:nvSpPr>
-        <p:spPr>
-          <a:xfrm>
-            <a:off x="3288322" y="348343"/>
-            <a:ext cx="5420249" cy="523220"/>
-          </a:xfrm>
-          <a:prstGeom prst="rect">
-            <a:avLst/>
-          </a:prstGeom>
-          <a:noFill/>
-        </p:spPr>
-        <p:txBody>
-          <a:bodyPr wrap="square" rtlCol="0">
-            <a:spAutoFit/>
-          </a:bodyPr>
-          <a:lstStyle/>
-          <a:p>
-            <a:pPr algn="ctr"/>
-            <a:r>
-              <a:rPr lang="en-IN" sz="2800" b="1" dirty="0"/>
-              <a:t>WORK FLOW</a:t>
-            </a:r>
-          </a:p>
-        </p:txBody>
-      </p:sp>
-      <p:sp>
-        <p:nvSpPr>
           <p:cNvPr id="3" name="Oval 2"/>
           <p:cNvSpPr/>
           <p:nvPr/>
@@ -3722,8 +3693,8 @@
         </p:nvSpPr>
         <p:spPr>
           <a:xfrm>
-            <a:off x="1125165" y="4187543"/>
-            <a:ext cx="1445454" cy="1200329"/>
+            <a:off x="1046000" y="4637151"/>
+            <a:ext cx="1445454" cy="369332"/>
           </a:xfrm>
           <a:prstGeom prst="rect">
             <a:avLst/>
@@ -3739,7 +3710,7 @@
             <a:pPr algn="ctr"/>
             <a:r>
               <a:rPr lang="en-IN" dirty="0"/>
-              <a:t>Exotel – Cloud Telephony Services</a:t>
+              <a:t>AWS</a:t>
             </a:r>
           </a:p>
         </p:txBody>
@@ -4014,8 +3985,8 @@
         </p:nvSpPr>
         <p:spPr>
           <a:xfrm>
-            <a:off x="8316237" y="1690023"/>
-            <a:ext cx="1920883" cy="923330"/>
+            <a:off x="8246693" y="1581572"/>
+            <a:ext cx="1920883" cy="1200329"/>
           </a:xfrm>
           <a:prstGeom prst="rect">
             <a:avLst/>
@@ -4039,6 +4010,13 @@
             <a:r>
               <a:rPr lang="en-IN" dirty="0"/>
               <a:t>--Add content</a:t>
+            </a:r>
+          </a:p>
+          <a:p>
+            <a:pPr algn="ctr"/>
+            <a:r>
+              <a:rPr lang="en-IN" dirty="0"/>
+              <a:t>--Modify content</a:t>
             </a:r>
           </a:p>
           <a:p>
@@ -4272,6 +4250,54 @@
           <a:p>
             <a:pPr algn="ctr"/>
             <a:endParaRPr lang="en-IN"/>
+          </a:p>
+        </p:txBody>
+      </p:sp>
+      <p:sp>
+        <p:nvSpPr>
+          <p:cNvPr id="4" name="Rectangle 3"/>
+          <p:cNvSpPr/>
+          <p:nvPr/>
+        </p:nvSpPr>
+        <p:spPr>
+          <a:xfrm>
+            <a:off x="3829140" y="393721"/>
+            <a:ext cx="3884140" cy="923330"/>
+          </a:xfrm>
+          <a:prstGeom prst="rect">
+            <a:avLst/>
+          </a:prstGeom>
+          <a:noFill/>
+        </p:spPr>
+        <p:txBody>
+          <a:bodyPr wrap="none" lIns="91440" tIns="45720" rIns="91440" bIns="45720">
+            <a:spAutoFit/>
+            <a:scene3d>
+              <a:camera prst="orthographicFront"/>
+              <a:lightRig rig="harsh" dir="t"/>
+            </a:scene3d>
+            <a:sp3d extrusionH="57150" prstMaterial="matte">
+              <a:bevelT w="63500" h="12700" prst="angle"/>
+              <a:contourClr>
+                <a:schemeClr val="bg1">
+                  <a:lumMod val="65000"/>
+                </a:schemeClr>
+              </a:contourClr>
+            </a:sp3d>
+          </a:bodyPr>
+          <a:lstStyle/>
+          <a:p>
+            <a:pPr algn="ctr"/>
+            <a:r>
+              <a:rPr lang="en-IN" sz="5400" b="1" cap="none" spc="0" dirty="0">
+                <a:ln/>
+                <a:solidFill>
+                  <a:schemeClr val="accent3"/>
+                </a:solidFill>
+                <a:effectLst/>
+              </a:rPr>
+              <a:t>WORK FLOW</a:t>
+            </a:r>
           </a:p>
         </p:txBody>
       </p:sp>
@@ -6349,8 +6375,8 @@
         </p:nvSpPr>
         <p:spPr>
           <a:xfrm>
-            <a:off x="3288322" y="348343"/>
-            <a:ext cx="5420249" cy="954107"/>
+            <a:off x="3267609" y="387320"/>
+            <a:ext cx="5420249" cy="523220"/>
           </a:xfrm>
           <a:prstGeom prst="rect">
             <a:avLst/>
@@ -6369,9 +6395,881 @@
                 <a:latin typeface="Times New Roman" panose="02020603050405020304" pitchFamily="18" charset="0"/>
                 <a:cs typeface="Times New Roman" panose="02020603050405020304" pitchFamily="18" charset="0"/>
               </a:rPr>
-              <a:t>GAME FLOW</a:t>
-            </a:r>
-          </a:p>
+              <a:t>ADMIN DASHBOARD</a:t>
+            </a:r>
+          </a:p>
+        </p:txBody>
+      </p:sp>
+      <p:sp>
+        <p:nvSpPr>
+          <p:cNvPr id="3" name="TextBox 2"/>
+          <p:cNvSpPr txBox="1"/>
+          <p:nvPr/>
+        </p:nvSpPr>
+        <p:spPr>
+          <a:xfrm>
+            <a:off x="-442878" y="1253411"/>
+            <a:ext cx="5420249" cy="323165"/>
+          </a:xfrm>
+          <a:prstGeom prst="rect">
+            <a:avLst/>
+          </a:prstGeom>
+          <a:noFill/>
+        </p:spPr>
+        <p:txBody>
+          <a:bodyPr wrap="square" rtlCol="0">
+            <a:spAutoFit/>
+          </a:bodyPr>
+          <a:lstStyle/>
+          <a:p>
+            <a:pPr algn="ctr"/>
+            <a:r>
+              <a:rPr lang="en-IN" sz="1500" b="1" dirty="0">
+                <a:latin typeface="Times New Roman" panose="02020603050405020304" pitchFamily="18" charset="0"/>
+                <a:cs typeface="Times New Roman" panose="02020603050405020304" pitchFamily="18" charset="0"/>
+              </a:rPr>
+              <a:t>MODULE SELECTION:</a:t>
+            </a:r>
+          </a:p>
+        </p:txBody>
+      </p:sp>
+      <p:sp>
+        <p:nvSpPr>
+          <p:cNvPr id="4" name="Rounded Rectangle 3"/>
+          <p:cNvSpPr/>
+          <p:nvPr/>
+        </p:nvSpPr>
+        <p:spPr>
+          <a:xfrm>
+            <a:off x="2518932" y="1919448"/>
+            <a:ext cx="1614267" cy="1055077"/>
+          </a:xfrm>
+          <a:prstGeom prst="roundRect">
+            <a:avLst/>
+          </a:prstGeom>
+        </p:spPr>
+        <p:style>
+          <a:lnRef idx="1">
+            <a:schemeClr val="accent1"/>
+          </a:lnRef>
+          <a:fillRef idx="2">
+            <a:schemeClr val="accent1"/>
+          </a:fillRef>
+          <a:effectRef idx="1">
+            <a:schemeClr val="accent1"/>
+          </a:effectRef>
+          <a:fontRef idx="minor">
+            <a:schemeClr val="dk1"/>
+          </a:fontRef>
+        </p:style>
+        <p:txBody>
+          <a:bodyPr rtlCol="0" anchor="ctr"/>
+          <a:lstStyle/>
+          <a:p>
+            <a:pPr algn="ctr"/>
+            <a:endParaRPr lang="en-IN"/>
+          </a:p>
+        </p:txBody>
+      </p:sp>
+      <p:sp>
+        <p:nvSpPr>
+          <p:cNvPr id="5" name="Rounded Rectangle 4"/>
+          <p:cNvSpPr/>
+          <p:nvPr/>
+        </p:nvSpPr>
+        <p:spPr>
+          <a:xfrm>
+            <a:off x="4457929" y="1919447"/>
+            <a:ext cx="1614267" cy="1055077"/>
+          </a:xfrm>
+          <a:prstGeom prst="roundRect">
+            <a:avLst/>
+          </a:prstGeom>
+        </p:spPr>
+        <p:style>
+          <a:lnRef idx="1">
+            <a:schemeClr val="accent1"/>
+          </a:lnRef>
+          <a:fillRef idx="2">
+            <a:schemeClr val="accent1"/>
+          </a:fillRef>
+          <a:effectRef idx="1">
+            <a:schemeClr val="accent1"/>
+          </a:effectRef>
+          <a:fontRef idx="minor">
+            <a:schemeClr val="dk1"/>
+          </a:fontRef>
+        </p:style>
+        <p:txBody>
+          <a:bodyPr rtlCol="0" anchor="ctr"/>
+          <a:lstStyle/>
+          <a:p>
+            <a:pPr algn="ctr"/>
+            <a:endParaRPr lang="en-IN"/>
+          </a:p>
+        </p:txBody>
+      </p:sp>
+      <p:sp>
+        <p:nvSpPr>
+          <p:cNvPr id="6" name="Rounded Rectangle 5"/>
+          <p:cNvSpPr/>
+          <p:nvPr/>
+        </p:nvSpPr>
+        <p:spPr>
+          <a:xfrm>
+            <a:off x="6396926" y="1919447"/>
+            <a:ext cx="1614267" cy="1055077"/>
+          </a:xfrm>
+          <a:prstGeom prst="roundRect">
+            <a:avLst/>
+          </a:prstGeom>
+        </p:spPr>
+        <p:style>
+          <a:lnRef idx="1">
+            <a:schemeClr val="accent1"/>
+          </a:lnRef>
+          <a:fillRef idx="2">
+            <a:schemeClr val="accent1"/>
+          </a:fillRef>
+          <a:effectRef idx="1">
+            <a:schemeClr val="accent1"/>
+          </a:effectRef>
+          <a:fontRef idx="minor">
+            <a:schemeClr val="dk1"/>
+          </a:fontRef>
+        </p:style>
+        <p:txBody>
+          <a:bodyPr rtlCol="0" anchor="ctr"/>
+          <a:lstStyle/>
+          <a:p>
+            <a:pPr algn="ctr"/>
+            <a:endParaRPr lang="en-IN"/>
+          </a:p>
+        </p:txBody>
+      </p:sp>
+      <p:sp>
+        <p:nvSpPr>
+          <p:cNvPr id="7" name="Rounded Rectangle 6"/>
+          <p:cNvSpPr/>
+          <p:nvPr/>
+        </p:nvSpPr>
+        <p:spPr>
+          <a:xfrm>
+            <a:off x="8335923" y="1919447"/>
+            <a:ext cx="1614267" cy="1055077"/>
+          </a:xfrm>
+          <a:prstGeom prst="roundRect">
+            <a:avLst/>
+          </a:prstGeom>
+        </p:spPr>
+        <p:style>
+          <a:lnRef idx="1">
+            <a:schemeClr val="accent1"/>
+          </a:lnRef>
+          <a:fillRef idx="2">
+            <a:schemeClr val="accent1"/>
+          </a:fillRef>
+          <a:effectRef idx="1">
+            <a:schemeClr val="accent1"/>
+          </a:effectRef>
+          <a:fontRef idx="minor">
+            <a:schemeClr val="dk1"/>
+          </a:fontRef>
+        </p:style>
+        <p:txBody>
+          <a:bodyPr rtlCol="0" anchor="ctr"/>
+          <a:lstStyle/>
+          <a:p>
+            <a:pPr algn="ctr"/>
+            <a:endParaRPr lang="en-IN"/>
+          </a:p>
+        </p:txBody>
+      </p:sp>
+      <p:sp>
+        <p:nvSpPr>
+          <p:cNvPr id="8" name="TextBox 7"/>
+          <p:cNvSpPr txBox="1"/>
+          <p:nvPr/>
+        </p:nvSpPr>
+        <p:spPr>
+          <a:xfrm>
+            <a:off x="2687745" y="2262319"/>
+            <a:ext cx="1445454" cy="369332"/>
+          </a:xfrm>
+          <a:prstGeom prst="rect">
+            <a:avLst/>
+          </a:prstGeom>
+          <a:noFill/>
+        </p:spPr>
+        <p:txBody>
+          <a:bodyPr wrap="square" rtlCol="0">
+            <a:spAutoFit/>
+          </a:bodyPr>
+          <a:lstStyle/>
+          <a:p>
+            <a:pPr algn="ctr"/>
+            <a:r>
+              <a:rPr lang="en-IN" dirty="0"/>
+              <a:t>Health Care</a:t>
+            </a:r>
+          </a:p>
+        </p:txBody>
+      </p:sp>
+      <p:sp>
+        <p:nvSpPr>
+          <p:cNvPr id="9" name="TextBox 8"/>
+          <p:cNvSpPr txBox="1"/>
+          <p:nvPr/>
+        </p:nvSpPr>
+        <p:spPr>
+          <a:xfrm>
+            <a:off x="4542335" y="2262319"/>
+            <a:ext cx="1445454" cy="369332"/>
+          </a:xfrm>
+          <a:prstGeom prst="rect">
+            <a:avLst/>
+          </a:prstGeom>
+          <a:noFill/>
+        </p:spPr>
+        <p:txBody>
+          <a:bodyPr wrap="square" rtlCol="0">
+            <a:spAutoFit/>
+          </a:bodyPr>
+          <a:lstStyle/>
+          <a:p>
+            <a:pPr algn="ctr"/>
+            <a:r>
+              <a:rPr lang="en-IN" dirty="0"/>
+              <a:t>Education</a:t>
+            </a:r>
+          </a:p>
+        </p:txBody>
+      </p:sp>
+      <p:sp>
+        <p:nvSpPr>
+          <p:cNvPr id="10" name="TextBox 9"/>
+          <p:cNvSpPr txBox="1"/>
+          <p:nvPr/>
+        </p:nvSpPr>
+        <p:spPr>
+          <a:xfrm>
+            <a:off x="6481332" y="2262319"/>
+            <a:ext cx="1445454" cy="369332"/>
+          </a:xfrm>
+          <a:prstGeom prst="rect">
+            <a:avLst/>
+          </a:prstGeom>
+          <a:noFill/>
+        </p:spPr>
+        <p:txBody>
+          <a:bodyPr wrap="square" rtlCol="0">
+            <a:spAutoFit/>
+          </a:bodyPr>
+          <a:lstStyle/>
+          <a:p>
+            <a:pPr algn="ctr"/>
+            <a:r>
+              <a:rPr lang="en-IN" dirty="0"/>
+              <a:t>Agri-business</a:t>
+            </a:r>
+          </a:p>
+        </p:txBody>
+      </p:sp>
+      <p:sp>
+        <p:nvSpPr>
+          <p:cNvPr id="11" name="TextBox 10"/>
+          <p:cNvSpPr txBox="1"/>
+          <p:nvPr/>
+        </p:nvSpPr>
+        <p:spPr>
+          <a:xfrm>
+            <a:off x="8420329" y="2262319"/>
+            <a:ext cx="1445454" cy="369332"/>
+          </a:xfrm>
+          <a:prstGeom prst="rect">
+            <a:avLst/>
+          </a:prstGeom>
+          <a:noFill/>
+        </p:spPr>
+        <p:txBody>
+          <a:bodyPr wrap="square" rtlCol="0">
+            <a:spAutoFit/>
+          </a:bodyPr>
+          <a:lstStyle/>
+          <a:p>
+            <a:pPr algn="ctr"/>
+            <a:r>
+              <a:rPr lang="en-IN" dirty="0"/>
+              <a:t>Energy</a:t>
+            </a:r>
+          </a:p>
+        </p:txBody>
+      </p:sp>
+      <p:cxnSp>
+        <p:nvCxnSpPr>
+          <p:cNvPr id="12" name="Straight Connector 11"/>
+          <p:cNvCxnSpPr/>
+          <p:nvPr/>
+        </p:nvCxnSpPr>
+        <p:spPr>
+          <a:xfrm>
+            <a:off x="3326066" y="2974525"/>
+            <a:ext cx="0" cy="677735"/>
+          </a:xfrm>
+          <a:prstGeom prst="line">
+            <a:avLst/>
+          </a:prstGeom>
+        </p:spPr>
+        <p:style>
+          <a:lnRef idx="1">
+            <a:schemeClr val="accent1"/>
+          </a:lnRef>
+          <a:fillRef idx="0">
+            <a:schemeClr val="accent1"/>
+          </a:fillRef>
+          <a:effectRef idx="0">
+            <a:schemeClr val="accent1"/>
+          </a:effectRef>
+          <a:fontRef idx="minor">
+            <a:schemeClr val="tx1"/>
+          </a:fontRef>
+        </p:style>
+      </p:cxnSp>
+      <p:cxnSp>
+        <p:nvCxnSpPr>
+          <p:cNvPr id="13" name="Straight Connector 12"/>
+          <p:cNvCxnSpPr/>
+          <p:nvPr/>
+        </p:nvCxnSpPr>
+        <p:spPr>
+          <a:xfrm>
+            <a:off x="9161813" y="2974524"/>
+            <a:ext cx="0" cy="677735"/>
+          </a:xfrm>
+          <a:prstGeom prst="line">
+            <a:avLst/>
+          </a:prstGeom>
+        </p:spPr>
+        <p:style>
+          <a:lnRef idx="1">
+            <a:schemeClr val="accent1"/>
+          </a:lnRef>
+          <a:fillRef idx="0">
+            <a:schemeClr val="accent1"/>
+          </a:fillRef>
+          <a:effectRef idx="0">
+            <a:schemeClr val="accent1"/>
+          </a:effectRef>
+          <a:fontRef idx="minor">
+            <a:schemeClr val="tx1"/>
+          </a:fontRef>
+        </p:style>
+      </p:cxnSp>
+      <p:cxnSp>
+        <p:nvCxnSpPr>
+          <p:cNvPr id="14" name="Straight Connector 13"/>
+          <p:cNvCxnSpPr/>
+          <p:nvPr/>
+        </p:nvCxnSpPr>
+        <p:spPr>
+          <a:xfrm>
+            <a:off x="3326066" y="3652259"/>
+            <a:ext cx="5835747" cy="0"/>
+          </a:xfrm>
+          <a:prstGeom prst="line">
+            <a:avLst/>
+          </a:prstGeom>
+        </p:spPr>
+        <p:style>
+          <a:lnRef idx="1">
+            <a:schemeClr val="accent1"/>
+          </a:lnRef>
+          <a:fillRef idx="0">
+            <a:schemeClr val="accent1"/>
+          </a:fillRef>
+          <a:effectRef idx="0">
+            <a:schemeClr val="accent1"/>
+          </a:effectRef>
+          <a:fontRef idx="minor">
+            <a:schemeClr val="tx1"/>
+          </a:fontRef>
+        </p:style>
+      </p:cxnSp>
+      <p:cxnSp>
+        <p:nvCxnSpPr>
+          <p:cNvPr id="15" name="Straight Connector 14"/>
+          <p:cNvCxnSpPr/>
+          <p:nvPr/>
+        </p:nvCxnSpPr>
+        <p:spPr>
+          <a:xfrm>
+            <a:off x="5265063" y="2974524"/>
+            <a:ext cx="0" cy="677735"/>
+          </a:xfrm>
+          <a:prstGeom prst="line">
+            <a:avLst/>
+          </a:prstGeom>
+        </p:spPr>
+        <p:style>
+          <a:lnRef idx="1">
+            <a:schemeClr val="accent1"/>
+          </a:lnRef>
+          <a:fillRef idx="0">
+            <a:schemeClr val="accent1"/>
+          </a:fillRef>
+          <a:effectRef idx="0">
+            <a:schemeClr val="accent1"/>
+          </a:effectRef>
+          <a:fontRef idx="minor">
+            <a:schemeClr val="tx1"/>
+          </a:fontRef>
+        </p:style>
+      </p:cxnSp>
+      <p:cxnSp>
+        <p:nvCxnSpPr>
+          <p:cNvPr id="16" name="Straight Connector 15"/>
+          <p:cNvCxnSpPr/>
+          <p:nvPr/>
+        </p:nvCxnSpPr>
+        <p:spPr>
+          <a:xfrm>
+            <a:off x="7175925" y="2974524"/>
+            <a:ext cx="0" cy="677735"/>
+          </a:xfrm>
+          <a:prstGeom prst="line">
+            <a:avLst/>
+          </a:prstGeom>
+        </p:spPr>
+        <p:style>
+          <a:lnRef idx="1">
+            <a:schemeClr val="accent1"/>
+          </a:lnRef>
+          <a:fillRef idx="0">
+            <a:schemeClr val="accent1"/>
+          </a:fillRef>
+          <a:effectRef idx="0">
+            <a:schemeClr val="accent1"/>
+          </a:effectRef>
+          <a:fontRef idx="minor">
+            <a:schemeClr val="tx1"/>
+          </a:fontRef>
+        </p:style>
+      </p:cxnSp>
+      <p:cxnSp>
+        <p:nvCxnSpPr>
+          <p:cNvPr id="17" name="Straight Arrow Connector 16"/>
+          <p:cNvCxnSpPr/>
+          <p:nvPr/>
+        </p:nvCxnSpPr>
+        <p:spPr>
+          <a:xfrm>
+            <a:off x="6072196" y="3652259"/>
+            <a:ext cx="0" cy="717453"/>
+          </a:xfrm>
+          <a:prstGeom prst="straightConnector1">
+            <a:avLst/>
+          </a:prstGeom>
+          <a:ln>
+            <a:tailEnd type="triangle"/>
+          </a:ln>
+        </p:spPr>
+        <p:style>
+          <a:lnRef idx="1">
+            <a:schemeClr val="accent1"/>
+          </a:lnRef>
+          <a:fillRef idx="0">
+            <a:schemeClr val="accent1"/>
+          </a:fillRef>
+          <a:effectRef idx="0">
+            <a:schemeClr val="accent1"/>
+          </a:effectRef>
+          <a:fontRef idx="minor">
+            <a:schemeClr val="tx1"/>
+          </a:fontRef>
+        </p:style>
+      </p:cxnSp>
+      <p:cxnSp>
+        <p:nvCxnSpPr>
+          <p:cNvPr id="20" name="Straight Connector 19"/>
+          <p:cNvCxnSpPr/>
+          <p:nvPr/>
+        </p:nvCxnSpPr>
+        <p:spPr>
+          <a:xfrm>
+            <a:off x="3326066" y="4369712"/>
+            <a:ext cx="5835747" cy="0"/>
+          </a:xfrm>
+          <a:prstGeom prst="line">
+            <a:avLst/>
+          </a:prstGeom>
+        </p:spPr>
+        <p:style>
+          <a:lnRef idx="1">
+            <a:schemeClr val="accent1"/>
+          </a:lnRef>
+          <a:fillRef idx="0">
+            <a:schemeClr val="accent1"/>
+          </a:fillRef>
+          <a:effectRef idx="0">
+            <a:schemeClr val="accent1"/>
+          </a:effectRef>
+          <a:fontRef idx="minor">
+            <a:schemeClr val="tx1"/>
+          </a:fontRef>
+        </p:style>
+      </p:cxnSp>
+      <p:cxnSp>
+        <p:nvCxnSpPr>
+          <p:cNvPr id="21" name="Straight Connector 20"/>
+          <p:cNvCxnSpPr/>
+          <p:nvPr/>
+        </p:nvCxnSpPr>
+        <p:spPr>
+          <a:xfrm>
+            <a:off x="3332462" y="4369712"/>
+            <a:ext cx="0" cy="677735"/>
+          </a:xfrm>
+          <a:prstGeom prst="line">
+            <a:avLst/>
+          </a:prstGeom>
+        </p:spPr>
+        <p:style>
+          <a:lnRef idx="1">
+            <a:schemeClr val="accent1"/>
+          </a:lnRef>
+          <a:fillRef idx="0">
+            <a:schemeClr val="accent1"/>
+          </a:fillRef>
+          <a:effectRef idx="0">
+            <a:schemeClr val="accent1"/>
+          </a:effectRef>
+          <a:fontRef idx="minor">
+            <a:schemeClr val="tx1"/>
+          </a:fontRef>
+        </p:style>
+      </p:cxnSp>
+      <p:cxnSp>
+        <p:nvCxnSpPr>
+          <p:cNvPr id="22" name="Straight Connector 21"/>
+          <p:cNvCxnSpPr/>
+          <p:nvPr/>
+        </p:nvCxnSpPr>
+        <p:spPr>
+          <a:xfrm>
+            <a:off x="6072196" y="4369712"/>
+            <a:ext cx="0" cy="677735"/>
+          </a:xfrm>
+          <a:prstGeom prst="line">
+            <a:avLst/>
+          </a:prstGeom>
+        </p:spPr>
+        <p:style>
+          <a:lnRef idx="1">
+            <a:schemeClr val="accent1"/>
+          </a:lnRef>
+          <a:fillRef idx="0">
+            <a:schemeClr val="accent1"/>
+          </a:fillRef>
+          <a:effectRef idx="0">
+            <a:schemeClr val="accent1"/>
+          </a:effectRef>
+          <a:fontRef idx="minor">
+            <a:schemeClr val="tx1"/>
+          </a:fontRef>
+        </p:style>
+      </p:cxnSp>
+      <p:cxnSp>
+        <p:nvCxnSpPr>
+          <p:cNvPr id="23" name="Straight Connector 22"/>
+          <p:cNvCxnSpPr/>
+          <p:nvPr/>
+        </p:nvCxnSpPr>
+        <p:spPr>
+          <a:xfrm>
+            <a:off x="9145885" y="4369712"/>
+            <a:ext cx="0" cy="677735"/>
+          </a:xfrm>
+          <a:prstGeom prst="line">
+            <a:avLst/>
+          </a:prstGeom>
+        </p:spPr>
+        <p:style>
+          <a:lnRef idx="1">
+            <a:schemeClr val="accent1"/>
+          </a:lnRef>
+          <a:fillRef idx="0">
+            <a:schemeClr val="accent1"/>
+          </a:fillRef>
+          <a:effectRef idx="0">
+            <a:schemeClr val="accent1"/>
+          </a:effectRef>
+          <a:fontRef idx="minor">
+            <a:schemeClr val="tx1"/>
+          </a:fontRef>
+        </p:style>
+      </p:cxnSp>
+      <p:sp>
+        <p:nvSpPr>
+          <p:cNvPr id="24" name="Rounded Rectangle 23"/>
+          <p:cNvSpPr/>
+          <p:nvPr/>
+        </p:nvSpPr>
+        <p:spPr>
+          <a:xfrm>
+            <a:off x="2525328" y="5043661"/>
+            <a:ext cx="1614267" cy="1055077"/>
+          </a:xfrm>
+          <a:prstGeom prst="roundRect">
+            <a:avLst/>
+          </a:prstGeom>
+        </p:spPr>
+        <p:style>
+          <a:lnRef idx="1">
+            <a:schemeClr val="accent6"/>
+          </a:lnRef>
+          <a:fillRef idx="2">
+            <a:schemeClr val="accent6"/>
+          </a:fillRef>
+          <a:effectRef idx="1">
+            <a:schemeClr val="accent6"/>
+          </a:effectRef>
+          <a:fontRef idx="minor">
+            <a:schemeClr val="dk1"/>
+          </a:fontRef>
+        </p:style>
+        <p:txBody>
+          <a:bodyPr rtlCol="0" anchor="ctr"/>
+          <a:lstStyle/>
+          <a:p>
+            <a:pPr algn="ctr"/>
+            <a:endParaRPr lang="en-IN"/>
+          </a:p>
+        </p:txBody>
+      </p:sp>
+      <p:sp>
+        <p:nvSpPr>
+          <p:cNvPr id="25" name="Rounded Rectangle 24"/>
+          <p:cNvSpPr/>
+          <p:nvPr/>
+        </p:nvSpPr>
+        <p:spPr>
+          <a:xfrm>
+            <a:off x="5265062" y="5050207"/>
+            <a:ext cx="1614267" cy="1055077"/>
+          </a:xfrm>
+          <a:prstGeom prst="roundRect">
+            <a:avLst/>
+          </a:prstGeom>
+        </p:spPr>
+        <p:style>
+          <a:lnRef idx="1">
+            <a:schemeClr val="accent6"/>
+          </a:lnRef>
+          <a:fillRef idx="2">
+            <a:schemeClr val="accent6"/>
+          </a:fillRef>
+          <a:effectRef idx="1">
+            <a:schemeClr val="accent6"/>
+          </a:effectRef>
+          <a:fontRef idx="minor">
+            <a:schemeClr val="dk1"/>
+          </a:fontRef>
+        </p:style>
+        <p:txBody>
+          <a:bodyPr rtlCol="0" anchor="ctr"/>
+          <a:lstStyle/>
+          <a:p>
+            <a:pPr algn="ctr"/>
+            <a:endParaRPr lang="en-IN"/>
+          </a:p>
+        </p:txBody>
+      </p:sp>
+      <p:sp>
+        <p:nvSpPr>
+          <p:cNvPr id="26" name="Rounded Rectangle 25"/>
+          <p:cNvSpPr/>
+          <p:nvPr/>
+        </p:nvSpPr>
+        <p:spPr>
+          <a:xfrm>
+            <a:off x="8330085" y="5035535"/>
+            <a:ext cx="1614267" cy="1055077"/>
+          </a:xfrm>
+          <a:prstGeom prst="roundRect">
+            <a:avLst/>
+          </a:prstGeom>
+        </p:spPr>
+        <p:style>
+          <a:lnRef idx="1">
+            <a:schemeClr val="accent6"/>
+          </a:lnRef>
+          <a:fillRef idx="2">
+            <a:schemeClr val="accent6"/>
+          </a:fillRef>
+          <a:effectRef idx="1">
+            <a:schemeClr val="accent6"/>
+          </a:effectRef>
+          <a:fontRef idx="minor">
+            <a:schemeClr val="dk1"/>
+          </a:fontRef>
+        </p:style>
+        <p:txBody>
+          <a:bodyPr rtlCol="0" anchor="ctr"/>
+          <a:lstStyle/>
+          <a:p>
+            <a:pPr algn="ctr"/>
+            <a:endParaRPr lang="en-IN"/>
+          </a:p>
+        </p:txBody>
+      </p:sp>
+      <p:sp>
+        <p:nvSpPr>
+          <p:cNvPr id="27" name="TextBox 26"/>
+          <p:cNvSpPr txBox="1"/>
+          <p:nvPr/>
+        </p:nvSpPr>
+        <p:spPr>
+          <a:xfrm>
+            <a:off x="2609734" y="5269419"/>
+            <a:ext cx="1445454" cy="646331"/>
+          </a:xfrm>
+          <a:prstGeom prst="rect">
+            <a:avLst/>
+          </a:prstGeom>
+          <a:noFill/>
+        </p:spPr>
+        <p:txBody>
+          <a:bodyPr wrap="square" rtlCol="0">
+            <a:spAutoFit/>
+          </a:bodyPr>
+          <a:lstStyle/>
+          <a:p>
+            <a:pPr algn="ctr"/>
+            <a:r>
+              <a:rPr lang="en-IN" dirty="0"/>
+              <a:t>Content Addition</a:t>
+            </a:r>
+          </a:p>
+        </p:txBody>
+      </p:sp>
+      <p:sp>
+        <p:nvSpPr>
+          <p:cNvPr id="28" name="TextBox 27"/>
+          <p:cNvSpPr txBox="1"/>
+          <p:nvPr/>
+        </p:nvSpPr>
+        <p:spPr>
+          <a:xfrm>
+            <a:off x="5378546" y="5269418"/>
+            <a:ext cx="1445454" cy="646331"/>
+          </a:xfrm>
+          <a:prstGeom prst="rect">
+            <a:avLst/>
+          </a:prstGeom>
+          <a:noFill/>
+        </p:spPr>
+        <p:txBody>
+          <a:bodyPr wrap="square" rtlCol="0">
+            <a:spAutoFit/>
+          </a:bodyPr>
+          <a:lstStyle/>
+          <a:p>
+            <a:pPr algn="ctr"/>
+            <a:r>
+              <a:rPr lang="en-IN" dirty="0"/>
+              <a:t>Content Modification</a:t>
+            </a:r>
+          </a:p>
+        </p:txBody>
+      </p:sp>
+      <p:sp>
+        <p:nvSpPr>
+          <p:cNvPr id="29" name="TextBox 28"/>
+          <p:cNvSpPr txBox="1"/>
+          <p:nvPr/>
+        </p:nvSpPr>
+        <p:spPr>
+          <a:xfrm>
+            <a:off x="8414490" y="5269418"/>
+            <a:ext cx="1445454" cy="646331"/>
+          </a:xfrm>
+          <a:prstGeom prst="rect">
+            <a:avLst/>
+          </a:prstGeom>
+          <a:noFill/>
+        </p:spPr>
+        <p:txBody>
+          <a:bodyPr wrap="square" rtlCol="0">
+            <a:spAutoFit/>
+          </a:bodyPr>
+          <a:lstStyle/>
+          <a:p>
+            <a:pPr algn="ctr"/>
+            <a:r>
+              <a:rPr lang="en-IN" dirty="0"/>
+              <a:t>Track course </a:t>
+            </a:r>
+          </a:p>
+          <a:p>
+            <a:pPr algn="ctr"/>
+            <a:r>
+              <a:rPr lang="en-IN" dirty="0"/>
+              <a:t>Users</a:t>
+            </a:r>
+          </a:p>
+        </p:txBody>
+      </p:sp>
+    </p:spTree>
+    <p:extLst>
+      <p:ext uri="{BB962C8B-B14F-4D97-AF65-F5344CB8AC3E}">
+        <p14:creationId xmlns:p14="http://schemas.microsoft.com/office/powerpoint/2010/main" val="1184162047"/>
+      </p:ext>
+    </p:extLst>
+  </p:cSld>
+  <p:clrMapOvr>
+    <a:masterClrMapping/>
+  </p:clrMapOvr>
+</p:sld>
+</file>
+
+<file path=ppt/slides/slide7.xml><?xml version="1.0" encoding="utf-8"?>
+<p:sld xmlns:a="http://schemas.openxmlformats.org/drawingml/2006/main" xmlns:r="http://schemas.openxmlformats.org/officeDocument/2006/relationships" xmlns:p="http://schemas.openxmlformats.org/presentationml/2006/main">
+  <p:cSld>
+    <p:spTree>
+      <p:nvGrpSpPr>
+        <p:cNvPr id="1" name=""/>
+        <p:cNvGrpSpPr/>
+        <p:nvPr/>
+      </p:nvGrpSpPr>
+      <p:grpSpPr>
+        <a:xfrm>
+          <a:off x="0" y="0"/>
+          <a:ext cx="0" cy="0"/>
+          <a:chOff x="0" y="0"/>
+          <a:chExt cx="0" cy="0"/>
+        </a:xfrm>
+      </p:grpSpPr>
+      <p:sp>
+        <p:nvSpPr>
+          <p:cNvPr id="2" name="TextBox 1"/>
+          <p:cNvSpPr txBox="1"/>
+          <p:nvPr/>
+        </p:nvSpPr>
+        <p:spPr>
+          <a:xfrm>
+            <a:off x="3139976" y="387831"/>
+            <a:ext cx="5886743" cy="523220"/>
+          </a:xfrm>
+          <a:prstGeom prst="rect">
+            <a:avLst/>
+          </a:prstGeom>
+          <a:noFill/>
+        </p:spPr>
+        <p:txBody>
+          <a:bodyPr wrap="square" rtlCol="0">
+            <a:spAutoFit/>
+          </a:bodyPr>
+          <a:lstStyle/>
           <a:p>
             <a:pPr algn="ctr"/>
             <a:r>
@@ -6379,7 +7277,7 @@
                 <a:latin typeface="Times New Roman" panose="02020603050405020304" pitchFamily="18" charset="0"/>
                 <a:cs typeface="Times New Roman" panose="02020603050405020304" pitchFamily="18" charset="0"/>
               </a:rPr>
-              <a:t>POINTS &amp; REWARDS</a:t>
+              <a:t>MENTOR/STAFF’S DASHBOARD</a:t>
             </a:r>
           </a:p>
         </p:txBody>
@@ -7201,8 +8099,8 @@
         </p:nvSpPr>
         <p:spPr>
           <a:xfrm>
-            <a:off x="6930640" y="4212573"/>
-            <a:ext cx="1799406" cy="646331"/>
+            <a:off x="6930640" y="4370780"/>
+            <a:ext cx="1799406" cy="369332"/>
           </a:xfrm>
           <a:prstGeom prst="rect">
             <a:avLst/>
@@ -7218,7 +8116,7 @@
             <a:pPr algn="ctr"/>
             <a:r>
               <a:rPr lang="en-IN" dirty="0"/>
-              <a:t>Result representation</a:t>
+              <a:t>Graphical report</a:t>
             </a:r>
           </a:p>
         </p:txBody>

--- a/PPT slides/login page templates.pptx
+++ b/PPT slides/login page templates.pptx
@@ -12,6 +12,7 @@
     <p:sldId id="258" r:id="rId6"/>
     <p:sldId id="262" r:id="rId7"/>
     <p:sldId id="261" r:id="rId8"/>
+    <p:sldId id="263" r:id="rId9"/>
   </p:sldIdLst>
   <p:sldSz cx="12192000" cy="6858000"/>
   <p:notesSz cx="6858000" cy="9144000"/>
@@ -8134,6 +8135,181 @@
 </p:sld>
 </file>
 
+<file path=ppt/slides/slide8.xml><?xml version="1.0" encoding="utf-8"?>
+<p:sld xmlns:a="http://schemas.openxmlformats.org/drawingml/2006/main" xmlns:r="http://schemas.openxmlformats.org/officeDocument/2006/relationships" xmlns:p="http://schemas.openxmlformats.org/presentationml/2006/main">
+  <p:cSld>
+    <p:spTree>
+      <p:nvGrpSpPr>
+        <p:cNvPr id="1" name=""/>
+        <p:cNvGrpSpPr/>
+        <p:nvPr/>
+      </p:nvGrpSpPr>
+      <p:grpSpPr>
+        <a:xfrm>
+          <a:off x="0" y="0"/>
+          <a:ext cx="0" cy="0"/>
+          <a:chOff x="0" y="0"/>
+          <a:chExt cx="0" cy="0"/>
+        </a:xfrm>
+      </p:grpSpPr>
+      <p:sp>
+        <p:nvSpPr>
+          <p:cNvPr id="2" name="TextBox 1"/>
+          <p:cNvSpPr txBox="1"/>
+          <p:nvPr/>
+        </p:nvSpPr>
+        <p:spPr>
+          <a:xfrm>
+            <a:off x="3139976" y="387831"/>
+            <a:ext cx="5886743" cy="523220"/>
+          </a:xfrm>
+          <a:prstGeom prst="rect">
+            <a:avLst/>
+          </a:prstGeom>
+          <a:noFill/>
+        </p:spPr>
+        <p:txBody>
+          <a:bodyPr wrap="square" rtlCol="0">
+            <a:spAutoFit/>
+          </a:bodyPr>
+          <a:lstStyle/>
+          <a:p>
+            <a:pPr algn="ctr"/>
+            <a:r>
+              <a:rPr lang="en-IN" sz="2800" b="1" dirty="0">
+                <a:latin typeface="Times New Roman" panose="02020603050405020304" pitchFamily="18" charset="0"/>
+                <a:cs typeface="Times New Roman" panose="02020603050405020304" pitchFamily="18" charset="0"/>
+              </a:rPr>
+              <a:t>ANDROID APP</a:t>
+            </a:r>
+          </a:p>
+        </p:txBody>
+      </p:sp>
+      <p:pic>
+        <p:nvPicPr>
+          <p:cNvPr id="3" name="Picture 2"/>
+          <p:cNvPicPr>
+            <a:picLocks noChangeAspect="1"/>
+          </p:cNvPicPr>
+          <p:nvPr/>
+        </p:nvPicPr>
+        <p:blipFill>
+          <a:blip r:embed="rId2">
+            <a:extLst>
+              <a:ext uri="{28A0092B-C50C-407E-A947-70E740481C1C}">
+                <a14:useLocalDpi xmlns:a14="http://schemas.microsoft.com/office/drawing/2010/main" val="0"/>
+              </a:ext>
+            </a:extLst>
+          </a:blip>
+          <a:stretch>
+            <a:fillRect/>
+          </a:stretch>
+        </p:blipFill>
+        <p:spPr>
+          <a:xfrm>
+            <a:off x="2329937" y="1007165"/>
+            <a:ext cx="3130826" cy="5565913"/>
+          </a:xfrm>
+          <a:prstGeom prst="roundRect">
+            <a:avLst>
+              <a:gd name="adj" fmla="val 16667"/>
+            </a:avLst>
+          </a:prstGeom>
+          <a:ln>
+            <a:solidFill>
+              <a:schemeClr val="tx1"/>
+            </a:solidFill>
+          </a:ln>
+          <a:effectLst>
+            <a:outerShdw blurRad="76200" dist="38100" dir="7800000" algn="tl" rotWithShape="0">
+              <a:srgbClr val="000000">
+                <a:alpha val="40000"/>
+              </a:srgbClr>
+            </a:outerShdw>
+          </a:effectLst>
+          <a:scene3d>
+            <a:camera prst="orthographicFront"/>
+            <a:lightRig rig="contrasting" dir="t">
+              <a:rot lat="0" lon="0" rev="4200000"/>
+            </a:lightRig>
+          </a:scene3d>
+          <a:sp3d prstMaterial="plastic">
+            <a:bevelT w="381000" h="114300" prst="relaxedInset"/>
+            <a:contourClr>
+              <a:srgbClr val="969696"/>
+            </a:contourClr>
+          </a:sp3d>
+        </p:spPr>
+      </p:pic>
+      <p:pic>
+        <p:nvPicPr>
+          <p:cNvPr id="4" name="Picture 3"/>
+          <p:cNvPicPr>
+            <a:picLocks noChangeAspect="1"/>
+          </p:cNvPicPr>
+          <p:nvPr/>
+        </p:nvPicPr>
+        <p:blipFill>
+          <a:blip r:embed="rId3">
+            <a:extLst>
+              <a:ext uri="{28A0092B-C50C-407E-A947-70E740481C1C}">
+                <a14:useLocalDpi xmlns:a14="http://schemas.microsoft.com/office/drawing/2010/main" val="0"/>
+              </a:ext>
+            </a:extLst>
+          </a:blip>
+          <a:stretch>
+            <a:fillRect/>
+          </a:stretch>
+        </p:blipFill>
+        <p:spPr>
+          <a:xfrm>
+            <a:off x="6789960" y="1007165"/>
+            <a:ext cx="3104198" cy="5518575"/>
+          </a:xfrm>
+          <a:prstGeom prst="roundRect">
+            <a:avLst>
+              <a:gd name="adj" fmla="val 16667"/>
+            </a:avLst>
+          </a:prstGeom>
+          <a:ln>
+            <a:solidFill>
+              <a:schemeClr val="tx1"/>
+            </a:solidFill>
+          </a:ln>
+          <a:effectLst>
+            <a:outerShdw blurRad="76200" dist="38100" dir="7800000" algn="tl" rotWithShape="0">
+              <a:srgbClr val="000000">
+                <a:alpha val="40000"/>
+              </a:srgbClr>
+            </a:outerShdw>
+          </a:effectLst>
+          <a:scene3d>
+            <a:camera prst="orthographicFront"/>
+            <a:lightRig rig="contrasting" dir="t">
+              <a:rot lat="0" lon="0" rev="4200000"/>
+            </a:lightRig>
+          </a:scene3d>
+          <a:sp3d prstMaterial="plastic">
+            <a:bevelT w="381000" h="114300" prst="relaxedInset"/>
+            <a:contourClr>
+              <a:srgbClr val="969696"/>
+            </a:contourClr>
+          </a:sp3d>
+        </p:spPr>
+      </p:pic>
+    </p:spTree>
+    <p:extLst>
+      <p:ext uri="{BB962C8B-B14F-4D97-AF65-F5344CB8AC3E}">
+        <p14:creationId xmlns:p14="http://schemas.microsoft.com/office/powerpoint/2010/main" val="1391308729"/>
+      </p:ext>
+    </p:extLst>
+  </p:cSld>
+  <p:clrMapOvr>
+    <a:masterClrMapping/>
+  </p:clrMapOvr>
+</p:sld>
+</file>
+
 <file path=ppt/theme/theme1.xml><?xml version="1.0" encoding="utf-8"?>
 <a:theme xmlns:a="http://schemas.openxmlformats.org/drawingml/2006/main" name="Office Theme">
   <a:themeElements>
